--- a/present.pptx
+++ b/present.pptx
@@ -3755,12 +3755,15 @@
           <p:nvPr/>
         </p:nvGrpSpPr>
         <p:grpSpPr>
-          <a:xfrm>
+          <a:xfrm rot="5400000" flipH="1">
             <a:off x="4989607" y="1661375"/>
             <a:ext cx="3780906" cy="3541690"/>
             <a:chOff x="4989607" y="1661375"/>
             <a:chExt cx="3780906" cy="3541690"/>
           </a:xfrm>
+          <a:solidFill>
+            <a:schemeClr val="tx1"/>
+          </a:solidFill>
         </p:grpSpPr>
         <p:sp>
           <p:nvSpPr>
@@ -3782,9 +3785,7 @@
             <a:prstGeom prst="triangle">
               <a:avLst/>
             </a:prstGeom>
-            <a:solidFill>
-              <a:srgbClr val="BFBFBF"/>
-            </a:solidFill>
+            <a:grpFill/>
             <a:ln>
               <a:noFill/>
             </a:ln>
@@ -3838,11 +3839,7 @@
                 <a:gd name="adj3" fmla="val 12752"/>
               </a:avLst>
             </a:prstGeom>
-            <a:solidFill>
-              <a:schemeClr val="bg1">
-                <a:lumMod val="75000"/>
-              </a:schemeClr>
-            </a:solidFill>
+            <a:grpFill/>
             <a:ln>
               <a:noFill/>
             </a:ln>
